--- a/20131409_주현준_ProblemSolving.pptx
+++ b/20131409_주현준_ProblemSolving.pptx
@@ -5,7 +5,7 @@
     <p:sldMasterId id="2147483648" r:id="rId1"/>
   </p:sldMasterIdLst>
   <p:notesMasterIdLst>
-    <p:notesMasterId r:id="rId10"/>
+    <p:notesMasterId r:id="rId11"/>
   </p:notesMasterIdLst>
   <p:sldIdLst>
     <p:sldId id="256" r:id="rId2"/>
@@ -15,7 +15,8 @@
     <p:sldId id="267" r:id="rId6"/>
     <p:sldId id="268" r:id="rId7"/>
     <p:sldId id="265" r:id="rId8"/>
-    <p:sldId id="269" r:id="rId9"/>
+    <p:sldId id="270" r:id="rId9"/>
+    <p:sldId id="269" r:id="rId10"/>
   </p:sldIdLst>
   <p:sldSz cx="9144000" cy="6858000" type="screen4x3"/>
   <p:notesSz cx="6858000" cy="9144000"/>
@@ -8117,7 +8118,7 @@
               <a:t> </a:t>
             </a:r>
             <a:r>
-              <a:rPr lang="en-US" altLang="ko-KR" dirty="0" err="1">
+              <a:rPr lang="en-US" altLang="ko-KR" dirty="0">
                 <a:solidFill>
                   <a:schemeClr val="tx1">
                     <a:lumMod val="75000"/>
@@ -8127,7 +8128,7 @@
                 <a:latin typeface="-윤고딕330" panose="02030504000101010101" pitchFamily="18" charset="-127"/>
                 <a:ea typeface="-윤고딕330" panose="02030504000101010101" pitchFamily="18" charset="-127"/>
               </a:rPr>
-              <a:t>Sloving</a:t>
+              <a:t>Solving</a:t>
             </a:r>
             <a:endParaRPr lang="ko-KR" altLang="en-US" dirty="0">
               <a:solidFill>
@@ -8312,7 +8313,7 @@
         </p:blipFill>
         <p:spPr>
           <a:xfrm>
-            <a:off x="251520" y="1556792"/>
+            <a:off x="251520" y="1340768"/>
             <a:ext cx="2089137" cy="2089137"/>
           </a:xfrm>
           <a:prstGeom prst="rect">
@@ -8334,7 +8335,7 @@
         </p:nvSpPr>
         <p:spPr>
           <a:xfrm>
-            <a:off x="2195736" y="2076655"/>
+            <a:off x="2195736" y="1860631"/>
             <a:ext cx="2727029" cy="369332"/>
           </a:xfrm>
           <a:prstGeom prst="rect">
@@ -8404,7 +8405,7 @@
         </p:nvSpPr>
         <p:spPr>
           <a:xfrm>
-            <a:off x="2374689" y="2617167"/>
+            <a:off x="2374689" y="2401143"/>
             <a:ext cx="6312947" cy="307777"/>
           </a:xfrm>
           <a:prstGeom prst="rect">
@@ -8768,6 +8769,548 @@
 </file>
 
 <file path=ppt/slides/slide8.xml><?xml version="1.0" encoding="utf-8"?>
+<p:sld xmlns:a="http://schemas.openxmlformats.org/drawingml/2006/main" xmlns:r="http://schemas.openxmlformats.org/officeDocument/2006/relationships" xmlns:p="http://schemas.openxmlformats.org/presentationml/2006/main">
+  <p:cSld>
+    <p:spTree>
+      <p:nvGrpSpPr>
+        <p:cNvPr id="1" name=""/>
+        <p:cNvGrpSpPr/>
+        <p:nvPr/>
+      </p:nvGrpSpPr>
+      <p:grpSpPr>
+        <a:xfrm>
+          <a:off x="0" y="0"/>
+          <a:ext cx="0" cy="0"/>
+          <a:chOff x="0" y="0"/>
+          <a:chExt cx="0" cy="0"/>
+        </a:xfrm>
+      </p:grpSpPr>
+      <p:sp>
+        <p:nvSpPr>
+          <p:cNvPr id="4" name="모서리가 둥근 직사각형 3"/>
+          <p:cNvSpPr/>
+          <p:nvPr/>
+        </p:nvSpPr>
+        <p:spPr>
+          <a:xfrm>
+            <a:off x="251520" y="260648"/>
+            <a:ext cx="720080" cy="288032"/>
+          </a:xfrm>
+          <a:prstGeom prst="roundRect">
+            <a:avLst/>
+          </a:prstGeom>
+          <a:solidFill>
+            <a:srgbClr val="94EB75"/>
+          </a:solidFill>
+          <a:ln>
+            <a:noFill/>
+          </a:ln>
+        </p:spPr>
+        <p:style>
+          <a:lnRef idx="2">
+            <a:schemeClr val="accent1">
+              <a:shade val="50000"/>
+            </a:schemeClr>
+          </a:lnRef>
+          <a:fillRef idx="1">
+            <a:schemeClr val="accent1"/>
+          </a:fillRef>
+          <a:effectRef idx="0">
+            <a:schemeClr val="accent1"/>
+          </a:effectRef>
+          <a:fontRef idx="minor">
+            <a:schemeClr val="lt1"/>
+          </a:fontRef>
+        </p:style>
+        <p:txBody>
+          <a:bodyPr rtlCol="0" anchor="ctr"/>
+          <a:lstStyle/>
+          <a:p>
+            <a:pPr algn="ctr"/>
+            <a:endParaRPr lang="ko-KR" altLang="en-US">
+              <a:latin typeface="-윤고딕330" panose="02030504000101010101" pitchFamily="18" charset="-127"/>
+              <a:ea typeface="-윤고딕330" panose="02030504000101010101" pitchFamily="18" charset="-127"/>
+            </a:endParaRPr>
+          </a:p>
+        </p:txBody>
+      </p:sp>
+      <p:sp>
+        <p:nvSpPr>
+          <p:cNvPr id="5" name="모서리가 둥근 직사각형 4"/>
+          <p:cNvSpPr/>
+          <p:nvPr/>
+        </p:nvSpPr>
+        <p:spPr>
+          <a:xfrm>
+            <a:off x="1007748" y="260648"/>
+            <a:ext cx="2808312" cy="288032"/>
+          </a:xfrm>
+          <a:prstGeom prst="roundRect">
+            <a:avLst/>
+          </a:prstGeom>
+          <a:solidFill>
+            <a:schemeClr val="bg1">
+              <a:lumMod val="85000"/>
+            </a:schemeClr>
+          </a:solidFill>
+          <a:ln>
+            <a:noFill/>
+          </a:ln>
+        </p:spPr>
+        <p:style>
+          <a:lnRef idx="2">
+            <a:schemeClr val="accent1">
+              <a:shade val="50000"/>
+            </a:schemeClr>
+          </a:lnRef>
+          <a:fillRef idx="1">
+            <a:schemeClr val="accent1"/>
+          </a:fillRef>
+          <a:effectRef idx="0">
+            <a:schemeClr val="accent1"/>
+          </a:effectRef>
+          <a:fontRef idx="minor">
+            <a:schemeClr val="lt1"/>
+          </a:fontRef>
+        </p:style>
+        <p:txBody>
+          <a:bodyPr rtlCol="0" anchor="ctr"/>
+          <a:lstStyle/>
+          <a:p>
+            <a:pPr algn="ctr"/>
+            <a:endParaRPr lang="ko-KR" altLang="en-US">
+              <a:latin typeface="-윤고딕330" panose="02030504000101010101" pitchFamily="18" charset="-127"/>
+              <a:ea typeface="-윤고딕330" panose="02030504000101010101" pitchFamily="18" charset="-127"/>
+            </a:endParaRPr>
+          </a:p>
+        </p:txBody>
+      </p:sp>
+      <p:sp>
+        <p:nvSpPr>
+          <p:cNvPr id="6" name="TextBox 5"/>
+          <p:cNvSpPr txBox="1"/>
+          <p:nvPr/>
+        </p:nvSpPr>
+        <p:spPr>
+          <a:xfrm>
+            <a:off x="1007748" y="683404"/>
+            <a:ext cx="2160240" cy="369332"/>
+          </a:xfrm>
+          <a:prstGeom prst="rect">
+            <a:avLst/>
+          </a:prstGeom>
+          <a:noFill/>
+        </p:spPr>
+        <p:txBody>
+          <a:bodyPr wrap="square" rtlCol="0">
+            <a:spAutoFit/>
+          </a:bodyPr>
+          <a:lstStyle/>
+          <a:p>
+            <a:r>
+              <a:rPr lang="en-US" altLang="ko-KR" dirty="0">
+                <a:solidFill>
+                  <a:schemeClr val="tx1">
+                    <a:lumMod val="75000"/>
+                    <a:lumOff val="25000"/>
+                  </a:schemeClr>
+                </a:solidFill>
+                <a:latin typeface="-윤고딕330" panose="02030504000101010101" pitchFamily="18" charset="-127"/>
+                <a:ea typeface="-윤고딕330" panose="02030504000101010101" pitchFamily="18" charset="-127"/>
+              </a:rPr>
+              <a:t>Problem</a:t>
+            </a:r>
+            <a:r>
+              <a:rPr lang="ko-KR" altLang="en-US" dirty="0">
+                <a:solidFill>
+                  <a:schemeClr val="tx1">
+                    <a:lumMod val="75000"/>
+                    <a:lumOff val="25000"/>
+                  </a:schemeClr>
+                </a:solidFill>
+                <a:latin typeface="-윤고딕330" panose="02030504000101010101" pitchFamily="18" charset="-127"/>
+                <a:ea typeface="-윤고딕330" panose="02030504000101010101" pitchFamily="18" charset="-127"/>
+              </a:rPr>
+              <a:t> </a:t>
+            </a:r>
+            <a:r>
+              <a:rPr lang="en-US" altLang="ko-KR" dirty="0">
+                <a:solidFill>
+                  <a:schemeClr val="tx1">
+                    <a:lumMod val="75000"/>
+                    <a:lumOff val="25000"/>
+                  </a:schemeClr>
+                </a:solidFill>
+                <a:latin typeface="-윤고딕330" panose="02030504000101010101" pitchFamily="18" charset="-127"/>
+                <a:ea typeface="-윤고딕330" panose="02030504000101010101" pitchFamily="18" charset="-127"/>
+              </a:rPr>
+              <a:t>Solving</a:t>
+            </a:r>
+            <a:endParaRPr lang="ko-KR" altLang="en-US" dirty="0">
+              <a:solidFill>
+                <a:schemeClr val="tx1">
+                  <a:lumMod val="75000"/>
+                  <a:lumOff val="25000"/>
+                </a:schemeClr>
+              </a:solidFill>
+              <a:latin typeface="-윤고딕330" panose="02030504000101010101" pitchFamily="18" charset="-127"/>
+              <a:ea typeface="-윤고딕330" panose="02030504000101010101" pitchFamily="18" charset="-127"/>
+            </a:endParaRPr>
+          </a:p>
+        </p:txBody>
+      </p:sp>
+      <p:sp>
+        <p:nvSpPr>
+          <p:cNvPr id="7" name="TextBox 6"/>
+          <p:cNvSpPr txBox="1"/>
+          <p:nvPr/>
+        </p:nvSpPr>
+        <p:spPr>
+          <a:xfrm>
+            <a:off x="251520" y="539969"/>
+            <a:ext cx="741683" cy="584775"/>
+          </a:xfrm>
+          <a:prstGeom prst="rect">
+            <a:avLst/>
+          </a:prstGeom>
+          <a:noFill/>
+        </p:spPr>
+        <p:txBody>
+          <a:bodyPr wrap="square" rtlCol="0">
+            <a:spAutoFit/>
+          </a:bodyPr>
+          <a:lstStyle/>
+          <a:p>
+            <a:r>
+              <a:rPr lang="en-US" altLang="ko-KR" sz="3200" dirty="0">
+                <a:solidFill>
+                  <a:schemeClr val="tx1">
+                    <a:lumMod val="75000"/>
+                    <a:lumOff val="25000"/>
+                  </a:schemeClr>
+                </a:solidFill>
+                <a:latin typeface="-윤고딕330" panose="02030504000101010101" pitchFamily="18" charset="-127"/>
+                <a:ea typeface="-윤고딕330" panose="02030504000101010101" pitchFamily="18" charset="-127"/>
+              </a:rPr>
+              <a:t>03</a:t>
+            </a:r>
+            <a:endParaRPr lang="ko-KR" altLang="en-US" sz="3200" dirty="0">
+              <a:solidFill>
+                <a:schemeClr val="tx1">
+                  <a:lumMod val="75000"/>
+                  <a:lumOff val="25000"/>
+                </a:schemeClr>
+              </a:solidFill>
+              <a:latin typeface="-윤고딕330" panose="02030504000101010101" pitchFamily="18" charset="-127"/>
+              <a:ea typeface="-윤고딕330" panose="02030504000101010101" pitchFamily="18" charset="-127"/>
+            </a:endParaRPr>
+          </a:p>
+        </p:txBody>
+      </p:sp>
+      <p:sp>
+        <p:nvSpPr>
+          <p:cNvPr id="10" name="모서리가 둥근 직사각형 9"/>
+          <p:cNvSpPr/>
+          <p:nvPr/>
+        </p:nvSpPr>
+        <p:spPr>
+          <a:xfrm>
+            <a:off x="8366415" y="6515819"/>
+            <a:ext cx="720080" cy="288032"/>
+          </a:xfrm>
+          <a:prstGeom prst="roundRect">
+            <a:avLst/>
+          </a:prstGeom>
+          <a:solidFill>
+            <a:srgbClr val="94EB75"/>
+          </a:solidFill>
+          <a:ln>
+            <a:noFill/>
+          </a:ln>
+        </p:spPr>
+        <p:style>
+          <a:lnRef idx="2">
+            <a:schemeClr val="accent1">
+              <a:shade val="50000"/>
+            </a:schemeClr>
+          </a:lnRef>
+          <a:fillRef idx="1">
+            <a:schemeClr val="accent1"/>
+          </a:fillRef>
+          <a:effectRef idx="0">
+            <a:schemeClr val="accent1"/>
+          </a:effectRef>
+          <a:fontRef idx="minor">
+            <a:schemeClr val="lt1"/>
+          </a:fontRef>
+        </p:style>
+        <p:txBody>
+          <a:bodyPr rtlCol="0" anchor="ctr"/>
+          <a:lstStyle/>
+          <a:p>
+            <a:pPr algn="ctr"/>
+            <a:endParaRPr lang="ko-KR" altLang="en-US">
+              <a:latin typeface="-윤고딕330" panose="02030504000101010101" pitchFamily="18" charset="-127"/>
+              <a:ea typeface="-윤고딕330" panose="02030504000101010101" pitchFamily="18" charset="-127"/>
+            </a:endParaRPr>
+          </a:p>
+        </p:txBody>
+      </p:sp>
+      <p:pic>
+        <p:nvPicPr>
+          <p:cNvPr id="9" name="그림 8">
+            <a:extLst>
+              <a:ext uri="{FF2B5EF4-FFF2-40B4-BE49-F238E27FC236}">
+                <a16:creationId xmlns:a16="http://schemas.microsoft.com/office/drawing/2014/main" id="{A39FE27C-BEB0-4E75-A884-80B2CF03E1C5}"/>
+              </a:ext>
+            </a:extLst>
+          </p:cNvPr>
+          <p:cNvPicPr>
+            <a:picLocks noChangeAspect="1"/>
+          </p:cNvPicPr>
+          <p:nvPr/>
+        </p:nvPicPr>
+        <p:blipFill>
+          <a:blip r:embed="rId2" cstate="print">
+            <a:extLst>
+              <a:ext uri="{28A0092B-C50C-407E-A947-70E740481C1C}">
+                <a14:useLocalDpi xmlns:a14="http://schemas.microsoft.com/office/drawing/2010/main" val="0"/>
+              </a:ext>
+            </a:extLst>
+          </a:blip>
+          <a:stretch>
+            <a:fillRect/>
+          </a:stretch>
+        </p:blipFill>
+        <p:spPr>
+          <a:xfrm>
+            <a:off x="8314606" y="5895776"/>
+            <a:ext cx="865906" cy="865906"/>
+          </a:xfrm>
+          <a:prstGeom prst="rect">
+            <a:avLst/>
+          </a:prstGeom>
+        </p:spPr>
+      </p:pic>
+      <p:sp>
+        <p:nvSpPr>
+          <p:cNvPr id="12" name="내용 개체 틀 2">
+            <a:extLst>
+              <a:ext uri="{FF2B5EF4-FFF2-40B4-BE49-F238E27FC236}">
+                <a16:creationId xmlns:a16="http://schemas.microsoft.com/office/drawing/2014/main" id="{FE4988F6-4E6E-452F-B6E3-B95607DCA3C2}"/>
+              </a:ext>
+            </a:extLst>
+          </p:cNvPr>
+          <p:cNvSpPr>
+            <a:spLocks noGrp="1"/>
+          </p:cNvSpPr>
+          <p:nvPr>
+            <p:ph idx="1"/>
+          </p:nvPr>
+        </p:nvSpPr>
+        <p:spPr>
+          <a:xfrm>
+            <a:off x="498376" y="4366200"/>
+            <a:ext cx="8147247" cy="2013252"/>
+          </a:xfrm>
+        </p:spPr>
+        <p:txBody>
+          <a:bodyPr>
+            <a:normAutofit/>
+          </a:bodyPr>
+          <a:lstStyle/>
+          <a:p>
+            <a:r>
+              <a:rPr lang="ko-KR" altLang="en-US" sz="1800" dirty="0">
+                <a:latin typeface="-윤고딕330" panose="02030504000101010101" pitchFamily="18" charset="-127"/>
+                <a:ea typeface="-윤고딕330" panose="02030504000101010101" pitchFamily="18" charset="-127"/>
+              </a:rPr>
+              <a:t>처음</a:t>
+            </a:r>
+            <a:r>
+              <a:rPr lang="en-US" altLang="ko-KR" sz="1800" dirty="0">
+                <a:latin typeface="-윤고딕330" panose="02030504000101010101" pitchFamily="18" charset="-127"/>
+                <a:ea typeface="-윤고딕330" panose="02030504000101010101" pitchFamily="18" charset="-127"/>
+              </a:rPr>
+              <a:t> </a:t>
+            </a:r>
+            <a:r>
+              <a:rPr lang="ko-KR" altLang="en-US" sz="1800" dirty="0">
+                <a:latin typeface="-윤고딕330" panose="02030504000101010101" pitchFamily="18" charset="-127"/>
+                <a:ea typeface="-윤고딕330" panose="02030504000101010101" pitchFamily="18" charset="-127"/>
+              </a:rPr>
+              <a:t>사용자의 위치 기준으로 자전거가 있는 </a:t>
+            </a:r>
+            <a:r>
+              <a:rPr lang="ko-KR" altLang="en-US" sz="1800" dirty="0" err="1">
+                <a:latin typeface="-윤고딕330" panose="02030504000101010101" pitchFamily="18" charset="-127"/>
+                <a:ea typeface="-윤고딕330" panose="02030504000101010101" pitchFamily="18" charset="-127"/>
+              </a:rPr>
+              <a:t>따릉이</a:t>
+            </a:r>
+            <a:r>
+              <a:rPr lang="ko-KR" altLang="en-US" sz="1800" dirty="0">
+                <a:latin typeface="-윤고딕330" panose="02030504000101010101" pitchFamily="18" charset="-127"/>
+                <a:ea typeface="-윤고딕330" panose="02030504000101010101" pitchFamily="18" charset="-127"/>
+              </a:rPr>
+              <a:t> 정류소로 안내</a:t>
+            </a:r>
+            <a:endParaRPr lang="en-US" altLang="ko-KR" sz="1800" dirty="0">
+              <a:latin typeface="-윤고딕330" panose="02030504000101010101" pitchFamily="18" charset="-127"/>
+              <a:ea typeface="-윤고딕330" panose="02030504000101010101" pitchFamily="18" charset="-127"/>
+            </a:endParaRPr>
+          </a:p>
+          <a:p>
+            <a:r>
+              <a:rPr lang="ko-KR" altLang="en-US" sz="1800" dirty="0">
+                <a:latin typeface="-윤고딕330" panose="02030504000101010101" pitchFamily="18" charset="-127"/>
+                <a:ea typeface="-윤고딕330" panose="02030504000101010101" pitchFamily="18" charset="-127"/>
+              </a:rPr>
+              <a:t>대여시간</a:t>
+            </a:r>
+            <a:r>
+              <a:rPr lang="en-US" altLang="ko-KR" sz="1800" dirty="0">
+                <a:latin typeface="-윤고딕330" panose="02030504000101010101" pitchFamily="18" charset="-127"/>
+                <a:ea typeface="-윤고딕330" panose="02030504000101010101" pitchFamily="18" charset="-127"/>
+              </a:rPr>
+              <a:t>(60</a:t>
+            </a:r>
+            <a:r>
+              <a:rPr lang="ko-KR" altLang="en-US" sz="1800" dirty="0">
+                <a:latin typeface="-윤고딕330" panose="02030504000101010101" pitchFamily="18" charset="-127"/>
+                <a:ea typeface="-윤고딕330" panose="02030504000101010101" pitchFamily="18" charset="-127"/>
+              </a:rPr>
+              <a:t>분</a:t>
+            </a:r>
+            <a:r>
+              <a:rPr lang="en-US" altLang="ko-KR" sz="1800" dirty="0">
+                <a:latin typeface="-윤고딕330" panose="02030504000101010101" pitchFamily="18" charset="-127"/>
+                <a:ea typeface="-윤고딕330" panose="02030504000101010101" pitchFamily="18" charset="-127"/>
+              </a:rPr>
+              <a:t>/120</a:t>
+            </a:r>
+            <a:r>
+              <a:rPr lang="ko-KR" altLang="en-US" sz="1800" dirty="0">
+                <a:latin typeface="-윤고딕330" panose="02030504000101010101" pitchFamily="18" charset="-127"/>
+                <a:ea typeface="-윤고딕330" panose="02030504000101010101" pitchFamily="18" charset="-127"/>
+              </a:rPr>
+              <a:t>분</a:t>
+            </a:r>
+            <a:r>
+              <a:rPr lang="en-US" altLang="ko-KR" sz="1800" dirty="0">
+                <a:latin typeface="-윤고딕330" panose="02030504000101010101" pitchFamily="18" charset="-127"/>
+                <a:ea typeface="-윤고딕330" panose="02030504000101010101" pitchFamily="18" charset="-127"/>
+              </a:rPr>
+              <a:t>) </a:t>
+            </a:r>
+            <a:r>
+              <a:rPr lang="ko-KR" altLang="en-US" sz="1800" dirty="0">
+                <a:latin typeface="-윤고딕330" panose="02030504000101010101" pitchFamily="18" charset="-127"/>
+                <a:ea typeface="-윤고딕330" panose="02030504000101010101" pitchFamily="18" charset="-127"/>
+              </a:rPr>
+              <a:t>기준 한강 라이딩 루트 추천 </a:t>
+            </a:r>
+            <a:r>
+              <a:rPr lang="en-US" altLang="ko-KR" sz="1800" dirty="0">
+                <a:latin typeface="-윤고딕330" panose="02030504000101010101" pitchFamily="18" charset="-127"/>
+                <a:ea typeface="-윤고딕330" panose="02030504000101010101" pitchFamily="18" charset="-127"/>
+              </a:rPr>
+              <a:t>(</a:t>
+            </a:r>
+            <a:r>
+              <a:rPr lang="ko-KR" altLang="en-US" sz="1800" dirty="0">
+                <a:latin typeface="-윤고딕330" panose="02030504000101010101" pitchFamily="18" charset="-127"/>
+                <a:ea typeface="-윤고딕330" panose="02030504000101010101" pitchFamily="18" charset="-127"/>
+              </a:rPr>
+              <a:t>다리 기준</a:t>
+            </a:r>
+            <a:r>
+              <a:rPr lang="en-US" altLang="ko-KR" sz="1800" dirty="0">
+                <a:latin typeface="-윤고딕330" panose="02030504000101010101" pitchFamily="18" charset="-127"/>
+                <a:ea typeface="-윤고딕330" panose="02030504000101010101" pitchFamily="18" charset="-127"/>
+              </a:rPr>
+              <a:t>)</a:t>
+            </a:r>
+          </a:p>
+          <a:p>
+            <a:r>
+              <a:rPr lang="ko-KR" altLang="en-US" sz="1800" dirty="0">
+                <a:latin typeface="-윤고딕330" panose="02030504000101010101" pitchFamily="18" charset="-127"/>
+                <a:ea typeface="-윤고딕330" panose="02030504000101010101" pitchFamily="18" charset="-127"/>
+              </a:rPr>
+              <a:t>왕복 </a:t>
+            </a:r>
+            <a:r>
+              <a:rPr lang="en-US" altLang="ko-KR" sz="1800" dirty="0">
+                <a:latin typeface="-윤고딕330" panose="02030504000101010101" pitchFamily="18" charset="-127"/>
+                <a:ea typeface="-윤고딕330" panose="02030504000101010101" pitchFamily="18" charset="-127"/>
+              </a:rPr>
+              <a:t>/ </a:t>
+            </a:r>
+            <a:r>
+              <a:rPr lang="ko-KR" altLang="en-US" sz="1800" dirty="0">
+                <a:latin typeface="-윤고딕330" panose="02030504000101010101" pitchFamily="18" charset="-127"/>
+                <a:ea typeface="-윤고딕330" panose="02030504000101010101" pitchFamily="18" charset="-127"/>
+              </a:rPr>
+              <a:t>편도 지원</a:t>
+            </a:r>
+            <a:endParaRPr lang="en-US" altLang="ko-KR" sz="1800" dirty="0">
+              <a:latin typeface="-윤고딕330" panose="02030504000101010101" pitchFamily="18" charset="-127"/>
+              <a:ea typeface="-윤고딕330" panose="02030504000101010101" pitchFamily="18" charset="-127"/>
+            </a:endParaRPr>
+          </a:p>
+        </p:txBody>
+      </p:sp>
+      <p:pic>
+        <p:nvPicPr>
+          <p:cNvPr id="13" name="그림 12" descr="텍스트, 지도이(가) 표시된 사진&#10;&#10;매우 높은 신뢰도로 생성된 설명">
+            <a:extLst>
+              <a:ext uri="{FF2B5EF4-FFF2-40B4-BE49-F238E27FC236}">
+                <a16:creationId xmlns:a16="http://schemas.microsoft.com/office/drawing/2014/main" id="{2C157AEC-7A8D-4644-A5C4-D718F57D2A40}"/>
+              </a:ext>
+            </a:extLst>
+          </p:cNvPr>
+          <p:cNvPicPr>
+            <a:picLocks noChangeAspect="1"/>
+          </p:cNvPicPr>
+          <p:nvPr/>
+        </p:nvPicPr>
+        <p:blipFill>
+          <a:blip r:embed="rId3">
+            <a:extLst>
+              <a:ext uri="{28A0092B-C50C-407E-A947-70E740481C1C}">
+                <a14:useLocalDpi xmlns:a14="http://schemas.microsoft.com/office/drawing/2010/main" val="0"/>
+              </a:ext>
+            </a:extLst>
+          </a:blip>
+          <a:stretch>
+            <a:fillRect/>
+          </a:stretch>
+        </p:blipFill>
+        <p:spPr>
+          <a:xfrm>
+            <a:off x="1296088" y="1434122"/>
+            <a:ext cx="6312947" cy="2138894"/>
+          </a:xfrm>
+          <a:prstGeom prst="rect">
+            <a:avLst/>
+          </a:prstGeom>
+        </p:spPr>
+      </p:pic>
+    </p:spTree>
+    <p:extLst>
+      <p:ext uri="{BB962C8B-B14F-4D97-AF65-F5344CB8AC3E}">
+        <p14:creationId xmlns:p14="http://schemas.microsoft.com/office/powerpoint/2010/main" val="3139809961"/>
+      </p:ext>
+    </p:extLst>
+  </p:cSld>
+  <p:clrMapOvr>
+    <a:masterClrMapping/>
+  </p:clrMapOvr>
+</p:sld>
+</file>
+
+<file path=ppt/slides/slide9.xml><?xml version="1.0" encoding="utf-8"?>
 <p:sld xmlns:a="http://schemas.openxmlformats.org/drawingml/2006/main" xmlns:r="http://schemas.openxmlformats.org/officeDocument/2006/relationships" xmlns:p="http://schemas.openxmlformats.org/presentationml/2006/main">
   <p:cSld>
     <p:spTree>

--- a/20131409_주현준_ProblemSolving.pptx
+++ b/20131409_주현준_ProblemSolving.pptx
@@ -5,7 +5,7 @@
     <p:sldMasterId id="2147483648" r:id="rId1"/>
   </p:sldMasterIdLst>
   <p:notesMasterIdLst>
-    <p:notesMasterId r:id="rId11"/>
+    <p:notesMasterId r:id="rId12"/>
   </p:notesMasterIdLst>
   <p:sldIdLst>
     <p:sldId id="256" r:id="rId2"/>
@@ -15,8 +15,9 @@
     <p:sldId id="267" r:id="rId6"/>
     <p:sldId id="268" r:id="rId7"/>
     <p:sldId id="265" r:id="rId8"/>
-    <p:sldId id="270" r:id="rId9"/>
-    <p:sldId id="269" r:id="rId10"/>
+    <p:sldId id="271" r:id="rId9"/>
+    <p:sldId id="270" r:id="rId10"/>
+    <p:sldId id="269" r:id="rId11"/>
   </p:sldIdLst>
   <p:sldSz cx="9144000" cy="6858000" type="screen4x3"/>
   <p:notesSz cx="6858000" cy="9144000"/>
@@ -216,7 +217,7 @@
           <a:p>
             <a:fld id="{F7F0411B-275A-4D7E-8ED9-4ACA5460824A}" type="datetimeFigureOut">
               <a:rPr lang="ko-KR" altLang="en-US" smtClean="0"/>
-              <a:t>2018-09-17</a:t>
+              <a:t>2018-09-19</a:t>
             </a:fld>
             <a:endParaRPr lang="ko-KR" altLang="en-US"/>
           </a:p>
@@ -647,90 +648,6 @@
           <a:bodyPr/>
           <a:lstStyle/>
           <a:p>
-            <a:r>
-              <a:rPr lang="ko-KR" altLang="en-US" dirty="0"/>
-              <a:t>웹 </a:t>
-            </a:r>
-            <a:r>
-              <a:rPr lang="en-US" altLang="ko-KR" dirty="0"/>
-              <a:t>/ </a:t>
-            </a:r>
-            <a:r>
-              <a:rPr lang="ko-KR" altLang="en-US" dirty="0" err="1"/>
-              <a:t>어플에</a:t>
-            </a:r>
-            <a:r>
-              <a:rPr lang="ko-KR" altLang="en-US" dirty="0"/>
-              <a:t> </a:t>
-            </a:r>
-            <a:r>
-              <a:rPr lang="ko-KR" altLang="en-US" dirty="0" err="1"/>
-              <a:t>따릉이</a:t>
-            </a:r>
-            <a:r>
-              <a:rPr lang="ko-KR" altLang="en-US" dirty="0"/>
-              <a:t> 대여소를 보여주는 기능이 있는데</a:t>
-            </a:r>
-            <a:r>
-              <a:rPr lang="en-US" altLang="ko-KR" dirty="0"/>
-              <a:t>, </a:t>
-            </a:r>
-            <a:r>
-              <a:rPr lang="ko-KR" altLang="en-US" dirty="0"/>
-              <a:t>만약 내가 가고자 하는 정류소에 </a:t>
-            </a:r>
-            <a:r>
-              <a:rPr lang="ko-KR" altLang="en-US" dirty="0" err="1"/>
-              <a:t>따릉이</a:t>
-            </a:r>
-            <a:r>
-              <a:rPr lang="ko-KR" altLang="en-US" dirty="0"/>
-              <a:t> 자전거가 없다면</a:t>
-            </a:r>
-            <a:r>
-              <a:rPr lang="en-US" altLang="ko-KR" dirty="0"/>
-              <a:t>?</a:t>
-            </a:r>
-          </a:p>
-          <a:p>
-            <a:r>
-              <a:rPr lang="ko-KR" altLang="en-US" dirty="0"/>
-              <a:t>가장 가까운 곳을 </a:t>
-            </a:r>
-            <a:r>
-              <a:rPr lang="ko-KR" altLang="en-US" dirty="0" err="1"/>
-              <a:t>가야할것</a:t>
-            </a:r>
-            <a:r>
-              <a:rPr lang="en-US" altLang="ko-KR" dirty="0"/>
-              <a:t>!</a:t>
-            </a:r>
-          </a:p>
-          <a:p>
-            <a:r>
-              <a:rPr lang="ko-KR" altLang="en-US" dirty="0"/>
-              <a:t>물론 </a:t>
-            </a:r>
-            <a:r>
-              <a:rPr lang="ko-KR" altLang="en-US" dirty="0" err="1"/>
-              <a:t>따릉이를</a:t>
-            </a:r>
-            <a:r>
-              <a:rPr lang="ko-KR" altLang="en-US" dirty="0"/>
-              <a:t> </a:t>
-            </a:r>
-            <a:r>
-              <a:rPr lang="ko-KR" altLang="en-US" dirty="0" err="1"/>
-              <a:t>빌릴때는</a:t>
-            </a:r>
-            <a:r>
-              <a:rPr lang="ko-KR" altLang="en-US" dirty="0"/>
-              <a:t> 이런 기능이 유효하겠지만 가장 가까운 정류소를 찾는 일도 중요할 것</a:t>
-            </a:r>
-            <a:r>
-              <a:rPr lang="en-US" altLang="ko-KR" dirty="0"/>
-              <a:t>!</a:t>
-            </a:r>
             <a:endParaRPr lang="ko-KR" altLang="en-US" dirty="0"/>
           </a:p>
         </p:txBody>
@@ -930,6 +847,90 @@
     <p:extLst>
       <p:ext uri="{BB962C8B-B14F-4D97-AF65-F5344CB8AC3E}">
         <p14:creationId xmlns:p14="http://schemas.microsoft.com/office/powerpoint/2010/main" val="390098257"/>
+      </p:ext>
+    </p:extLst>
+  </p:cSld>
+  <p:clrMapOvr>
+    <a:masterClrMapping/>
+  </p:clrMapOvr>
+</p:notes>
+</file>
+
+<file path=ppt/notesSlides/notesSlide5.xml><?xml version="1.0" encoding="utf-8"?>
+<p:notes xmlns:a="http://schemas.openxmlformats.org/drawingml/2006/main" xmlns:r="http://schemas.openxmlformats.org/officeDocument/2006/relationships" xmlns:p="http://schemas.openxmlformats.org/presentationml/2006/main">
+  <p:cSld>
+    <p:spTree>
+      <p:nvGrpSpPr>
+        <p:cNvPr id="1" name=""/>
+        <p:cNvGrpSpPr/>
+        <p:nvPr/>
+      </p:nvGrpSpPr>
+      <p:grpSpPr>
+        <a:xfrm>
+          <a:off x="0" y="0"/>
+          <a:ext cx="0" cy="0"/>
+          <a:chOff x="0" y="0"/>
+          <a:chExt cx="0" cy="0"/>
+        </a:xfrm>
+      </p:grpSpPr>
+      <p:sp>
+        <p:nvSpPr>
+          <p:cNvPr id="2" name="슬라이드 이미지 개체 틀 1"/>
+          <p:cNvSpPr>
+            <a:spLocks noGrp="1" noRot="1" noChangeAspect="1"/>
+          </p:cNvSpPr>
+          <p:nvPr>
+            <p:ph type="sldImg"/>
+          </p:nvPr>
+        </p:nvSpPr>
+        <p:spPr/>
+      </p:sp>
+      <p:sp>
+        <p:nvSpPr>
+          <p:cNvPr id="3" name="슬라이드 노트 개체 틀 2"/>
+          <p:cNvSpPr>
+            <a:spLocks noGrp="1"/>
+          </p:cNvSpPr>
+          <p:nvPr>
+            <p:ph type="body" idx="1"/>
+          </p:nvPr>
+        </p:nvSpPr>
+        <p:spPr/>
+        <p:txBody>
+          <a:bodyPr/>
+          <a:lstStyle/>
+          <a:p>
+            <a:endParaRPr lang="ko-KR" altLang="en-US" dirty="0"/>
+          </a:p>
+        </p:txBody>
+      </p:sp>
+      <p:sp>
+        <p:nvSpPr>
+          <p:cNvPr id="4" name="슬라이드 번호 개체 틀 3"/>
+          <p:cNvSpPr>
+            <a:spLocks noGrp="1"/>
+          </p:cNvSpPr>
+          <p:nvPr>
+            <p:ph type="sldNum" sz="quarter" idx="10"/>
+          </p:nvPr>
+        </p:nvSpPr>
+        <p:spPr/>
+        <p:txBody>
+          <a:bodyPr/>
+          <a:lstStyle/>
+          <a:p>
+            <a:fld id="{E853747D-A9A9-4229-9179-0B882F1C4EC1}" type="slidenum">
+              <a:rPr lang="ko-KR" altLang="en-US" smtClean="0"/>
+              <a:t>8</a:t>
+            </a:fld>
+            <a:endParaRPr lang="ko-KR" altLang="en-US"/>
+          </a:p>
+        </p:txBody>
+      </p:sp>
+    </p:spTree>
+    <p:extLst>
+      <p:ext uri="{BB962C8B-B14F-4D97-AF65-F5344CB8AC3E}">
+        <p14:creationId xmlns:p14="http://schemas.microsoft.com/office/powerpoint/2010/main" val="3627272322"/>
       </p:ext>
     </p:extLst>
   </p:cSld>
@@ -1118,7 +1119,7 @@
           <a:p>
             <a:fld id="{7474AB46-BD42-4BC4-B764-DB1D21719BF0}" type="datetimeFigureOut">
               <a:rPr lang="ko-KR" altLang="en-US" smtClean="0"/>
-              <a:t>2018-09-17</a:t>
+              <a:t>2018-09-19</a:t>
             </a:fld>
             <a:endParaRPr lang="ko-KR" altLang="en-US"/>
           </a:p>
@@ -1286,7 +1287,7 @@
           <a:p>
             <a:fld id="{7474AB46-BD42-4BC4-B764-DB1D21719BF0}" type="datetimeFigureOut">
               <a:rPr lang="ko-KR" altLang="en-US" smtClean="0"/>
-              <a:t>2018-09-17</a:t>
+              <a:t>2018-09-19</a:t>
             </a:fld>
             <a:endParaRPr lang="ko-KR" altLang="en-US"/>
           </a:p>
@@ -1464,7 +1465,7 @@
           <a:p>
             <a:fld id="{7474AB46-BD42-4BC4-B764-DB1D21719BF0}" type="datetimeFigureOut">
               <a:rPr lang="ko-KR" altLang="en-US" smtClean="0"/>
-              <a:t>2018-09-17</a:t>
+              <a:t>2018-09-19</a:t>
             </a:fld>
             <a:endParaRPr lang="ko-KR" altLang="en-US"/>
           </a:p>
@@ -1632,7 +1633,7 @@
           <a:p>
             <a:fld id="{7474AB46-BD42-4BC4-B764-DB1D21719BF0}" type="datetimeFigureOut">
               <a:rPr lang="ko-KR" altLang="en-US" smtClean="0"/>
-              <a:t>2018-09-17</a:t>
+              <a:t>2018-09-19</a:t>
             </a:fld>
             <a:endParaRPr lang="ko-KR" altLang="en-US"/>
           </a:p>
@@ -1877,7 +1878,7 @@
           <a:p>
             <a:fld id="{7474AB46-BD42-4BC4-B764-DB1D21719BF0}" type="datetimeFigureOut">
               <a:rPr lang="ko-KR" altLang="en-US" smtClean="0"/>
-              <a:t>2018-09-17</a:t>
+              <a:t>2018-09-19</a:t>
             </a:fld>
             <a:endParaRPr lang="ko-KR" altLang="en-US"/>
           </a:p>
@@ -2162,7 +2163,7 @@
           <a:p>
             <a:fld id="{7474AB46-BD42-4BC4-B764-DB1D21719BF0}" type="datetimeFigureOut">
               <a:rPr lang="ko-KR" altLang="en-US" smtClean="0"/>
-              <a:t>2018-09-17</a:t>
+              <a:t>2018-09-19</a:t>
             </a:fld>
             <a:endParaRPr lang="ko-KR" altLang="en-US"/>
           </a:p>
@@ -2581,7 +2582,7 @@
           <a:p>
             <a:fld id="{7474AB46-BD42-4BC4-B764-DB1D21719BF0}" type="datetimeFigureOut">
               <a:rPr lang="ko-KR" altLang="en-US" smtClean="0"/>
-              <a:t>2018-09-17</a:t>
+              <a:t>2018-09-19</a:t>
             </a:fld>
             <a:endParaRPr lang="ko-KR" altLang="en-US"/>
           </a:p>
@@ -2698,7 +2699,7 @@
           <a:p>
             <a:fld id="{7474AB46-BD42-4BC4-B764-DB1D21719BF0}" type="datetimeFigureOut">
               <a:rPr lang="ko-KR" altLang="en-US" smtClean="0"/>
-              <a:t>2018-09-17</a:t>
+              <a:t>2018-09-19</a:t>
             </a:fld>
             <a:endParaRPr lang="ko-KR" altLang="en-US"/>
           </a:p>
@@ -2793,7 +2794,7 @@
           <a:p>
             <a:fld id="{7474AB46-BD42-4BC4-B764-DB1D21719BF0}" type="datetimeFigureOut">
               <a:rPr lang="ko-KR" altLang="en-US" smtClean="0"/>
-              <a:t>2018-09-17</a:t>
+              <a:t>2018-09-19</a:t>
             </a:fld>
             <a:endParaRPr lang="ko-KR" altLang="en-US"/>
           </a:p>
@@ -3068,7 +3069,7 @@
           <a:p>
             <a:fld id="{7474AB46-BD42-4BC4-B764-DB1D21719BF0}" type="datetimeFigureOut">
               <a:rPr lang="ko-KR" altLang="en-US" smtClean="0"/>
-              <a:t>2018-09-17</a:t>
+              <a:t>2018-09-19</a:t>
             </a:fld>
             <a:endParaRPr lang="ko-KR" altLang="en-US"/>
           </a:p>
@@ -3320,7 +3321,7 @@
           <a:p>
             <a:fld id="{7474AB46-BD42-4BC4-B764-DB1D21719BF0}" type="datetimeFigureOut">
               <a:rPr lang="ko-KR" altLang="en-US" smtClean="0"/>
-              <a:t>2018-09-17</a:t>
+              <a:t>2018-09-19</a:t>
             </a:fld>
             <a:endParaRPr lang="ko-KR" altLang="en-US"/>
           </a:p>
@@ -3534,7 +3535,7 @@
           <a:p>
             <a:fld id="{7474AB46-BD42-4BC4-B764-DB1D21719BF0}" type="datetimeFigureOut">
               <a:rPr lang="ko-KR" altLang="en-US" smtClean="0"/>
-              <a:t>2018-09-17</a:t>
+              <a:t>2018-09-19</a:t>
             </a:fld>
             <a:endParaRPr lang="ko-KR" altLang="en-US"/>
           </a:p>
@@ -4235,6 +4236,317 @@
 </p:sld>
 </file>
 
+<file path=ppt/slides/slide10.xml><?xml version="1.0" encoding="utf-8"?>
+<p:sld xmlns:a="http://schemas.openxmlformats.org/drawingml/2006/main" xmlns:r="http://schemas.openxmlformats.org/officeDocument/2006/relationships" xmlns:p="http://schemas.openxmlformats.org/presentationml/2006/main">
+  <p:cSld>
+    <p:spTree>
+      <p:nvGrpSpPr>
+        <p:cNvPr id="1" name=""/>
+        <p:cNvGrpSpPr/>
+        <p:nvPr/>
+      </p:nvGrpSpPr>
+      <p:grpSpPr>
+        <a:xfrm>
+          <a:off x="0" y="0"/>
+          <a:ext cx="0" cy="0"/>
+          <a:chOff x="0" y="0"/>
+          <a:chExt cx="0" cy="0"/>
+        </a:xfrm>
+      </p:grpSpPr>
+      <p:sp>
+        <p:nvSpPr>
+          <p:cNvPr id="4" name="모서리가 둥근 직사각형 3"/>
+          <p:cNvSpPr/>
+          <p:nvPr/>
+        </p:nvSpPr>
+        <p:spPr>
+          <a:xfrm>
+            <a:off x="251520" y="260648"/>
+            <a:ext cx="720080" cy="288032"/>
+          </a:xfrm>
+          <a:prstGeom prst="roundRect">
+            <a:avLst/>
+          </a:prstGeom>
+          <a:solidFill>
+            <a:srgbClr val="94EB75"/>
+          </a:solidFill>
+          <a:ln>
+            <a:noFill/>
+          </a:ln>
+        </p:spPr>
+        <p:style>
+          <a:lnRef idx="2">
+            <a:schemeClr val="accent1">
+              <a:shade val="50000"/>
+            </a:schemeClr>
+          </a:lnRef>
+          <a:fillRef idx="1">
+            <a:schemeClr val="accent1"/>
+          </a:fillRef>
+          <a:effectRef idx="0">
+            <a:schemeClr val="accent1"/>
+          </a:effectRef>
+          <a:fontRef idx="minor">
+            <a:schemeClr val="lt1"/>
+          </a:fontRef>
+        </p:style>
+        <p:txBody>
+          <a:bodyPr rtlCol="0" anchor="ctr"/>
+          <a:lstStyle/>
+          <a:p>
+            <a:pPr algn="ctr"/>
+            <a:endParaRPr lang="ko-KR" altLang="en-US">
+              <a:latin typeface="-윤고딕330" panose="02030504000101010101" pitchFamily="18" charset="-127"/>
+              <a:ea typeface="-윤고딕330" panose="02030504000101010101" pitchFamily="18" charset="-127"/>
+            </a:endParaRPr>
+          </a:p>
+        </p:txBody>
+      </p:sp>
+      <p:sp>
+        <p:nvSpPr>
+          <p:cNvPr id="5" name="모서리가 둥근 직사각형 4"/>
+          <p:cNvSpPr/>
+          <p:nvPr/>
+        </p:nvSpPr>
+        <p:spPr>
+          <a:xfrm>
+            <a:off x="1007748" y="260648"/>
+            <a:ext cx="2808312" cy="288032"/>
+          </a:xfrm>
+          <a:prstGeom prst="roundRect">
+            <a:avLst/>
+          </a:prstGeom>
+          <a:solidFill>
+            <a:schemeClr val="bg1">
+              <a:lumMod val="85000"/>
+            </a:schemeClr>
+          </a:solidFill>
+          <a:ln>
+            <a:noFill/>
+          </a:ln>
+        </p:spPr>
+        <p:style>
+          <a:lnRef idx="2">
+            <a:schemeClr val="accent1">
+              <a:shade val="50000"/>
+            </a:schemeClr>
+          </a:lnRef>
+          <a:fillRef idx="1">
+            <a:schemeClr val="accent1"/>
+          </a:fillRef>
+          <a:effectRef idx="0">
+            <a:schemeClr val="accent1"/>
+          </a:effectRef>
+          <a:fontRef idx="minor">
+            <a:schemeClr val="lt1"/>
+          </a:fontRef>
+        </p:style>
+        <p:txBody>
+          <a:bodyPr rtlCol="0" anchor="ctr"/>
+          <a:lstStyle/>
+          <a:p>
+            <a:pPr algn="ctr"/>
+            <a:endParaRPr lang="ko-KR" altLang="en-US">
+              <a:latin typeface="-윤고딕330" panose="02030504000101010101" pitchFamily="18" charset="-127"/>
+              <a:ea typeface="-윤고딕330" panose="02030504000101010101" pitchFamily="18" charset="-127"/>
+            </a:endParaRPr>
+          </a:p>
+        </p:txBody>
+      </p:sp>
+      <p:sp>
+        <p:nvSpPr>
+          <p:cNvPr id="6" name="TextBox 5"/>
+          <p:cNvSpPr txBox="1"/>
+          <p:nvPr/>
+        </p:nvSpPr>
+        <p:spPr>
+          <a:xfrm>
+            <a:off x="1007748" y="683404"/>
+            <a:ext cx="2160240" cy="369332"/>
+          </a:xfrm>
+          <a:prstGeom prst="rect">
+            <a:avLst/>
+          </a:prstGeom>
+          <a:noFill/>
+        </p:spPr>
+        <p:txBody>
+          <a:bodyPr wrap="square" rtlCol="0">
+            <a:spAutoFit/>
+          </a:bodyPr>
+          <a:lstStyle/>
+          <a:p>
+            <a:r>
+              <a:rPr lang="en-US" altLang="ko-KR" dirty="0">
+                <a:solidFill>
+                  <a:schemeClr val="tx1">
+                    <a:lumMod val="75000"/>
+                    <a:lumOff val="25000"/>
+                  </a:schemeClr>
+                </a:solidFill>
+                <a:latin typeface="-윤고딕330" panose="02030504000101010101" pitchFamily="18" charset="-127"/>
+                <a:ea typeface="-윤고딕330" panose="02030504000101010101" pitchFamily="18" charset="-127"/>
+              </a:rPr>
+              <a:t>Q &amp; A</a:t>
+            </a:r>
+            <a:endParaRPr lang="ko-KR" altLang="en-US" dirty="0">
+              <a:solidFill>
+                <a:schemeClr val="tx1">
+                  <a:lumMod val="75000"/>
+                  <a:lumOff val="25000"/>
+                </a:schemeClr>
+              </a:solidFill>
+              <a:latin typeface="-윤고딕330" panose="02030504000101010101" pitchFamily="18" charset="-127"/>
+              <a:ea typeface="-윤고딕330" panose="02030504000101010101" pitchFamily="18" charset="-127"/>
+            </a:endParaRPr>
+          </a:p>
+        </p:txBody>
+      </p:sp>
+      <p:sp>
+        <p:nvSpPr>
+          <p:cNvPr id="7" name="TextBox 6"/>
+          <p:cNvSpPr txBox="1"/>
+          <p:nvPr/>
+        </p:nvSpPr>
+        <p:spPr>
+          <a:xfrm>
+            <a:off x="251520" y="539969"/>
+            <a:ext cx="741683" cy="584775"/>
+          </a:xfrm>
+          <a:prstGeom prst="rect">
+            <a:avLst/>
+          </a:prstGeom>
+          <a:noFill/>
+        </p:spPr>
+        <p:txBody>
+          <a:bodyPr wrap="square" rtlCol="0">
+            <a:spAutoFit/>
+          </a:bodyPr>
+          <a:lstStyle/>
+          <a:p>
+            <a:r>
+              <a:rPr lang="en-US" altLang="ko-KR" sz="3200" dirty="0">
+                <a:solidFill>
+                  <a:schemeClr val="tx1">
+                    <a:lumMod val="75000"/>
+                    <a:lumOff val="25000"/>
+                  </a:schemeClr>
+                </a:solidFill>
+                <a:latin typeface="-윤고딕330" panose="02030504000101010101" pitchFamily="18" charset="-127"/>
+                <a:ea typeface="-윤고딕330" panose="02030504000101010101" pitchFamily="18" charset="-127"/>
+              </a:rPr>
+              <a:t>04</a:t>
+            </a:r>
+            <a:endParaRPr lang="ko-KR" altLang="en-US" sz="3200" dirty="0">
+              <a:solidFill>
+                <a:schemeClr val="tx1">
+                  <a:lumMod val="75000"/>
+                  <a:lumOff val="25000"/>
+                </a:schemeClr>
+              </a:solidFill>
+              <a:latin typeface="-윤고딕330" panose="02030504000101010101" pitchFamily="18" charset="-127"/>
+              <a:ea typeface="-윤고딕330" panose="02030504000101010101" pitchFamily="18" charset="-127"/>
+            </a:endParaRPr>
+          </a:p>
+        </p:txBody>
+      </p:sp>
+      <p:sp>
+        <p:nvSpPr>
+          <p:cNvPr id="10" name="모서리가 둥근 직사각형 9"/>
+          <p:cNvSpPr/>
+          <p:nvPr/>
+        </p:nvSpPr>
+        <p:spPr>
+          <a:xfrm>
+            <a:off x="8366415" y="6515819"/>
+            <a:ext cx="720080" cy="288032"/>
+          </a:xfrm>
+          <a:prstGeom prst="roundRect">
+            <a:avLst/>
+          </a:prstGeom>
+          <a:solidFill>
+            <a:srgbClr val="94EB75"/>
+          </a:solidFill>
+          <a:ln>
+            <a:noFill/>
+          </a:ln>
+        </p:spPr>
+        <p:style>
+          <a:lnRef idx="2">
+            <a:schemeClr val="accent1">
+              <a:shade val="50000"/>
+            </a:schemeClr>
+          </a:lnRef>
+          <a:fillRef idx="1">
+            <a:schemeClr val="accent1"/>
+          </a:fillRef>
+          <a:effectRef idx="0">
+            <a:schemeClr val="accent1"/>
+          </a:effectRef>
+          <a:fontRef idx="minor">
+            <a:schemeClr val="lt1"/>
+          </a:fontRef>
+        </p:style>
+        <p:txBody>
+          <a:bodyPr rtlCol="0" anchor="ctr"/>
+          <a:lstStyle/>
+          <a:p>
+            <a:pPr algn="ctr"/>
+            <a:endParaRPr lang="ko-KR" altLang="en-US">
+              <a:latin typeface="-윤고딕330" panose="02030504000101010101" pitchFamily="18" charset="-127"/>
+              <a:ea typeface="-윤고딕330" panose="02030504000101010101" pitchFamily="18" charset="-127"/>
+            </a:endParaRPr>
+          </a:p>
+        </p:txBody>
+      </p:sp>
+      <p:pic>
+        <p:nvPicPr>
+          <p:cNvPr id="9" name="그림 8">
+            <a:extLst>
+              <a:ext uri="{FF2B5EF4-FFF2-40B4-BE49-F238E27FC236}">
+                <a16:creationId xmlns:a16="http://schemas.microsoft.com/office/drawing/2014/main" id="{A39FE27C-BEB0-4E75-A884-80B2CF03E1C5}"/>
+              </a:ext>
+            </a:extLst>
+          </p:cNvPr>
+          <p:cNvPicPr>
+            <a:picLocks noChangeAspect="1"/>
+          </p:cNvPicPr>
+          <p:nvPr/>
+        </p:nvPicPr>
+        <p:blipFill>
+          <a:blip r:embed="rId2" cstate="print">
+            <a:extLst>
+              <a:ext uri="{28A0092B-C50C-407E-A947-70E740481C1C}">
+                <a14:useLocalDpi xmlns:a14="http://schemas.microsoft.com/office/drawing/2010/main" val="0"/>
+              </a:ext>
+            </a:extLst>
+          </a:blip>
+          <a:stretch>
+            <a:fillRect/>
+          </a:stretch>
+        </p:blipFill>
+        <p:spPr>
+          <a:xfrm>
+            <a:off x="8314606" y="5895776"/>
+            <a:ext cx="865906" cy="865906"/>
+          </a:xfrm>
+          <a:prstGeom prst="rect">
+            <a:avLst/>
+          </a:prstGeom>
+        </p:spPr>
+      </p:pic>
+    </p:spTree>
+    <p:extLst>
+      <p:ext uri="{BB962C8B-B14F-4D97-AF65-F5344CB8AC3E}">
+        <p14:creationId xmlns:p14="http://schemas.microsoft.com/office/powerpoint/2010/main" val="889774577"/>
+      </p:ext>
+    </p:extLst>
+  </p:cSld>
+  <p:clrMapOvr>
+    <a:masterClrMapping/>
+  </p:clrMapOvr>
+</p:sld>
+</file>
+
 <file path=ppt/slides/slide2.xml><?xml version="1.0" encoding="utf-8"?>
 <p:sld xmlns:a="http://schemas.openxmlformats.org/drawingml/2006/main" xmlns:r="http://schemas.openxmlformats.org/officeDocument/2006/relationships" xmlns:p="http://schemas.openxmlformats.org/presentationml/2006/main">
   <p:cSld>
@@ -4260,7 +4572,7 @@
         </p:nvGrpSpPr>
         <p:grpSpPr>
           <a:xfrm>
-            <a:off x="2931118" y="2424634"/>
+            <a:off x="3162444" y="2171222"/>
             <a:ext cx="3281764" cy="2553922"/>
             <a:chOff x="949998" y="1268760"/>
             <a:chExt cx="2181842" cy="1989319"/>
@@ -4639,7 +4951,7 @@
         </p:nvSpPr>
         <p:spPr>
           <a:xfrm>
-            <a:off x="2931118" y="4287080"/>
+            <a:off x="3162444" y="4033668"/>
             <a:ext cx="714840" cy="584775"/>
           </a:xfrm>
           <a:prstGeom prst="rect">
@@ -4694,7 +5006,7 @@
         </p:nvSpPr>
         <p:spPr>
           <a:xfrm>
-            <a:off x="3721774" y="4434519"/>
+            <a:off x="3953100" y="4181107"/>
             <a:ext cx="2491108" cy="338554"/>
           </a:xfrm>
           <a:prstGeom prst="rect">
@@ -7627,40 +7939,16 @@
           </a:p>
           <a:p>
             <a:r>
-              <a:rPr lang="en-US" altLang="ko-KR" sz="1800" dirty="0">
-                <a:latin typeface="-윤고딕330" panose="02030504000101010101" pitchFamily="18" charset="-127"/>
-                <a:ea typeface="-윤고딕330" panose="02030504000101010101" pitchFamily="18" charset="-127"/>
-              </a:rPr>
-              <a:t>60</a:t>
-            </a:r>
-            <a:r>
               <a:rPr lang="ko-KR" altLang="en-US" sz="1800" dirty="0">
                 <a:latin typeface="-윤고딕330" panose="02030504000101010101" pitchFamily="18" charset="-127"/>
                 <a:ea typeface="-윤고딕330" panose="02030504000101010101" pitchFamily="18" charset="-127"/>
               </a:rPr>
-              <a:t>분 </a:t>
-            </a:r>
-            <a:r>
-              <a:rPr lang="en-US" altLang="ko-KR" sz="1800" dirty="0">
-                <a:latin typeface="-윤고딕330" panose="02030504000101010101" pitchFamily="18" charset="-127"/>
-                <a:ea typeface="-윤고딕330" panose="02030504000101010101" pitchFamily="18" charset="-127"/>
-              </a:rPr>
-              <a:t>/ 120</a:t>
-            </a:r>
-            <a:r>
-              <a:rPr lang="ko-KR" altLang="en-US" sz="1800" dirty="0">
-                <a:latin typeface="-윤고딕330" panose="02030504000101010101" pitchFamily="18" charset="-127"/>
-                <a:ea typeface="-윤고딕330" panose="02030504000101010101" pitchFamily="18" charset="-127"/>
-              </a:rPr>
-              <a:t>분 기준 루트 추천</a:t>
-            </a:r>
-            <a:r>
-              <a:rPr lang="en-US" altLang="ko-KR" sz="1800" dirty="0">
-                <a:latin typeface="-윤고딕330" panose="02030504000101010101" pitchFamily="18" charset="-127"/>
-                <a:ea typeface="-윤고딕330" panose="02030504000101010101" pitchFamily="18" charset="-127"/>
-              </a:rPr>
-              <a:t>!</a:t>
-            </a:r>
+              <a:t>정류소를 기준으로 루트 추천</a:t>
+            </a:r>
+            <a:endParaRPr lang="en-US" altLang="ko-KR" sz="1800" dirty="0">
+              <a:latin typeface="-윤고딕330" panose="02030504000101010101" pitchFamily="18" charset="-127"/>
+              <a:ea typeface="-윤고딕330" panose="02030504000101010101" pitchFamily="18" charset="-127"/>
+            </a:endParaRPr>
           </a:p>
         </p:txBody>
       </p:sp>
@@ -8918,6 +9206,502 @@
                 <a:latin typeface="-윤고딕330" panose="02030504000101010101" pitchFamily="18" charset="-127"/>
                 <a:ea typeface="-윤고딕330" panose="02030504000101010101" pitchFamily="18" charset="-127"/>
               </a:rPr>
+              <a:t>Modeling</a:t>
+            </a:r>
+            <a:endParaRPr lang="ko-KR" altLang="en-US" dirty="0">
+              <a:solidFill>
+                <a:schemeClr val="tx1">
+                  <a:lumMod val="75000"/>
+                  <a:lumOff val="25000"/>
+                </a:schemeClr>
+              </a:solidFill>
+              <a:latin typeface="-윤고딕330" panose="02030504000101010101" pitchFamily="18" charset="-127"/>
+              <a:ea typeface="-윤고딕330" panose="02030504000101010101" pitchFamily="18" charset="-127"/>
+            </a:endParaRPr>
+          </a:p>
+        </p:txBody>
+      </p:sp>
+      <p:sp>
+        <p:nvSpPr>
+          <p:cNvPr id="7" name="TextBox 6"/>
+          <p:cNvSpPr txBox="1"/>
+          <p:nvPr/>
+        </p:nvSpPr>
+        <p:spPr>
+          <a:xfrm>
+            <a:off x="251520" y="539969"/>
+            <a:ext cx="741683" cy="584775"/>
+          </a:xfrm>
+          <a:prstGeom prst="rect">
+            <a:avLst/>
+          </a:prstGeom>
+          <a:noFill/>
+        </p:spPr>
+        <p:txBody>
+          <a:bodyPr wrap="square" rtlCol="0">
+            <a:spAutoFit/>
+          </a:bodyPr>
+          <a:lstStyle/>
+          <a:p>
+            <a:r>
+              <a:rPr lang="en-US" altLang="ko-KR" sz="3200" dirty="0">
+                <a:solidFill>
+                  <a:schemeClr val="tx1">
+                    <a:lumMod val="75000"/>
+                    <a:lumOff val="25000"/>
+                  </a:schemeClr>
+                </a:solidFill>
+                <a:latin typeface="-윤고딕330" panose="02030504000101010101" pitchFamily="18" charset="-127"/>
+                <a:ea typeface="-윤고딕330" panose="02030504000101010101" pitchFamily="18" charset="-127"/>
+              </a:rPr>
+              <a:t>02</a:t>
+            </a:r>
+            <a:endParaRPr lang="ko-KR" altLang="en-US" sz="3200" dirty="0">
+              <a:solidFill>
+                <a:schemeClr val="tx1">
+                  <a:lumMod val="75000"/>
+                  <a:lumOff val="25000"/>
+                </a:schemeClr>
+              </a:solidFill>
+              <a:latin typeface="-윤고딕330" panose="02030504000101010101" pitchFamily="18" charset="-127"/>
+              <a:ea typeface="-윤고딕330" panose="02030504000101010101" pitchFamily="18" charset="-127"/>
+            </a:endParaRPr>
+          </a:p>
+        </p:txBody>
+      </p:sp>
+      <p:sp>
+        <p:nvSpPr>
+          <p:cNvPr id="10" name="모서리가 둥근 직사각형 9"/>
+          <p:cNvSpPr/>
+          <p:nvPr/>
+        </p:nvSpPr>
+        <p:spPr>
+          <a:xfrm>
+            <a:off x="8366415" y="6515819"/>
+            <a:ext cx="720080" cy="288032"/>
+          </a:xfrm>
+          <a:prstGeom prst="roundRect">
+            <a:avLst/>
+          </a:prstGeom>
+          <a:solidFill>
+            <a:srgbClr val="94EB75"/>
+          </a:solidFill>
+          <a:ln>
+            <a:noFill/>
+          </a:ln>
+        </p:spPr>
+        <p:style>
+          <a:lnRef idx="2">
+            <a:schemeClr val="accent1">
+              <a:shade val="50000"/>
+            </a:schemeClr>
+          </a:lnRef>
+          <a:fillRef idx="1">
+            <a:schemeClr val="accent1"/>
+          </a:fillRef>
+          <a:effectRef idx="0">
+            <a:schemeClr val="accent1"/>
+          </a:effectRef>
+          <a:fontRef idx="minor">
+            <a:schemeClr val="lt1"/>
+          </a:fontRef>
+        </p:style>
+        <p:txBody>
+          <a:bodyPr rtlCol="0" anchor="ctr"/>
+          <a:lstStyle/>
+          <a:p>
+            <a:pPr algn="ctr"/>
+            <a:endParaRPr lang="ko-KR" altLang="en-US">
+              <a:latin typeface="-윤고딕330" panose="02030504000101010101" pitchFamily="18" charset="-127"/>
+              <a:ea typeface="-윤고딕330" panose="02030504000101010101" pitchFamily="18" charset="-127"/>
+            </a:endParaRPr>
+          </a:p>
+        </p:txBody>
+      </p:sp>
+      <p:pic>
+        <p:nvPicPr>
+          <p:cNvPr id="8" name="그림 7">
+            <a:extLst>
+              <a:ext uri="{FF2B5EF4-FFF2-40B4-BE49-F238E27FC236}">
+                <a16:creationId xmlns:a16="http://schemas.microsoft.com/office/drawing/2014/main" id="{A447CAEF-1951-4CE2-98B0-D6A932392738}"/>
+              </a:ext>
+            </a:extLst>
+          </p:cNvPr>
+          <p:cNvPicPr>
+            <a:picLocks noChangeAspect="1"/>
+          </p:cNvPicPr>
+          <p:nvPr/>
+        </p:nvPicPr>
+        <p:blipFill>
+          <a:blip r:embed="rId3" cstate="print">
+            <a:extLst>
+              <a:ext uri="{28A0092B-C50C-407E-A947-70E740481C1C}">
+                <a14:useLocalDpi xmlns:a14="http://schemas.microsoft.com/office/drawing/2010/main" val="0"/>
+              </a:ext>
+            </a:extLst>
+          </a:blip>
+          <a:stretch>
+            <a:fillRect/>
+          </a:stretch>
+        </p:blipFill>
+        <p:spPr>
+          <a:xfrm>
+            <a:off x="8314606" y="5895776"/>
+            <a:ext cx="865906" cy="865906"/>
+          </a:xfrm>
+          <a:prstGeom prst="rect">
+            <a:avLst/>
+          </a:prstGeom>
+        </p:spPr>
+      </p:pic>
+      <p:sp>
+        <p:nvSpPr>
+          <p:cNvPr id="17" name="내용 개체 틀 16">
+            <a:extLst>
+              <a:ext uri="{FF2B5EF4-FFF2-40B4-BE49-F238E27FC236}">
+                <a16:creationId xmlns:a16="http://schemas.microsoft.com/office/drawing/2014/main" id="{43D9CF0A-824B-4685-911D-6C2FF9B90B09}"/>
+              </a:ext>
+            </a:extLst>
+          </p:cNvPr>
+          <p:cNvSpPr>
+            <a:spLocks noGrp="1"/>
+          </p:cNvSpPr>
+          <p:nvPr>
+            <p:ph idx="1"/>
+          </p:nvPr>
+        </p:nvSpPr>
+        <p:spPr>
+          <a:xfrm>
+            <a:off x="457200" y="5197375"/>
+            <a:ext cx="8229600" cy="1112987"/>
+          </a:xfrm>
+        </p:spPr>
+        <p:txBody>
+          <a:bodyPr>
+            <a:normAutofit fontScale="92500" lnSpcReduction="10000"/>
+          </a:bodyPr>
+          <a:lstStyle/>
+          <a:p>
+            <a:r>
+              <a:rPr lang="ko-KR" altLang="en-US" sz="1600" dirty="0" err="1">
+                <a:latin typeface="-윤고딕330" panose="02030504000101010101" pitchFamily="18" charset="-127"/>
+                <a:ea typeface="-윤고딕330" panose="02030504000101010101" pitchFamily="18" charset="-127"/>
+              </a:rPr>
+              <a:t>한강교랑의</a:t>
+            </a:r>
+            <a:r>
+              <a:rPr lang="ko-KR" altLang="en-US" sz="1600" dirty="0">
+                <a:latin typeface="-윤고딕330" panose="02030504000101010101" pitchFamily="18" charset="-127"/>
+                <a:ea typeface="-윤고딕330" panose="02030504000101010101" pitchFamily="18" charset="-127"/>
+              </a:rPr>
+              <a:t> 시작점</a:t>
+            </a:r>
+            <a:r>
+              <a:rPr lang="en-US" altLang="ko-KR" sz="1600" dirty="0">
+                <a:latin typeface="-윤고딕330" panose="02030504000101010101" pitchFamily="18" charset="-127"/>
+                <a:ea typeface="-윤고딕330" panose="02030504000101010101" pitchFamily="18" charset="-127"/>
+              </a:rPr>
+              <a:t>, </a:t>
+            </a:r>
+            <a:r>
+              <a:rPr lang="ko-KR" altLang="en-US" sz="1600" dirty="0">
+                <a:latin typeface="-윤고딕330" panose="02030504000101010101" pitchFamily="18" charset="-127"/>
+                <a:ea typeface="-윤고딕330" panose="02030504000101010101" pitchFamily="18" charset="-127"/>
+              </a:rPr>
+              <a:t>종료지점 </a:t>
+            </a:r>
+            <a:r>
+              <a:rPr lang="en-US" altLang="ko-KR" sz="1600" dirty="0">
+                <a:latin typeface="-윤고딕330" panose="02030504000101010101" pitchFamily="18" charset="-127"/>
+                <a:ea typeface="-윤고딕330" panose="02030504000101010101" pitchFamily="18" charset="-127"/>
+              </a:rPr>
+              <a:t>: node</a:t>
+            </a:r>
+          </a:p>
+          <a:p>
+            <a:r>
+              <a:rPr lang="ko-KR" altLang="en-US" sz="1600" dirty="0">
+                <a:latin typeface="-윤고딕330" panose="02030504000101010101" pitchFamily="18" charset="-127"/>
+                <a:ea typeface="-윤고딕330" panose="02030504000101010101" pitchFamily="18" charset="-127"/>
+              </a:rPr>
+              <a:t>교량을 건너는 시간 </a:t>
+            </a:r>
+            <a:r>
+              <a:rPr lang="en-US" altLang="ko-KR" sz="1600" dirty="0">
+                <a:latin typeface="-윤고딕330" panose="02030504000101010101" pitchFamily="18" charset="-127"/>
+                <a:ea typeface="-윤고딕330" panose="02030504000101010101" pitchFamily="18" charset="-127"/>
+              </a:rPr>
+              <a:t>/ </a:t>
+            </a:r>
+            <a:r>
+              <a:rPr lang="ko-KR" altLang="en-US" sz="1600" dirty="0">
+                <a:latin typeface="-윤고딕330" panose="02030504000101010101" pitchFamily="18" charset="-127"/>
+                <a:ea typeface="-윤고딕330" panose="02030504000101010101" pitchFamily="18" charset="-127"/>
+              </a:rPr>
+              <a:t>교량간 이동 시간</a:t>
+            </a:r>
+            <a:r>
+              <a:rPr lang="en-US" altLang="ko-KR" sz="1600" dirty="0">
+                <a:latin typeface="-윤고딕330" panose="02030504000101010101" pitchFamily="18" charset="-127"/>
+                <a:ea typeface="-윤고딕330" panose="02030504000101010101" pitchFamily="18" charset="-127"/>
+              </a:rPr>
+              <a:t> : edge</a:t>
+            </a:r>
+          </a:p>
+          <a:p>
+            <a:r>
+              <a:rPr lang="ko-KR" altLang="en-US" sz="1600" dirty="0">
+                <a:latin typeface="-윤고딕330" panose="02030504000101010101" pitchFamily="18" charset="-127"/>
+                <a:ea typeface="-윤고딕330" panose="02030504000101010101" pitchFamily="18" charset="-127"/>
+              </a:rPr>
+              <a:t>현재 위치에 따른 시간별 루트 추천 </a:t>
+            </a:r>
+            <a:r>
+              <a:rPr lang="en-US" altLang="ko-KR" sz="1600" dirty="0">
+                <a:latin typeface="-윤고딕330" panose="02030504000101010101" pitchFamily="18" charset="-127"/>
+                <a:ea typeface="-윤고딕330" panose="02030504000101010101" pitchFamily="18" charset="-127"/>
+              </a:rPr>
+              <a:t>(60</a:t>
+            </a:r>
+            <a:r>
+              <a:rPr lang="ko-KR" altLang="en-US" sz="1600" dirty="0">
+                <a:latin typeface="-윤고딕330" panose="02030504000101010101" pitchFamily="18" charset="-127"/>
+                <a:ea typeface="-윤고딕330" panose="02030504000101010101" pitchFamily="18" charset="-127"/>
+              </a:rPr>
+              <a:t>분 </a:t>
+            </a:r>
+            <a:r>
+              <a:rPr lang="en-US" altLang="ko-KR" sz="1600" dirty="0">
+                <a:latin typeface="-윤고딕330" panose="02030504000101010101" pitchFamily="18" charset="-127"/>
+                <a:ea typeface="-윤고딕330" panose="02030504000101010101" pitchFamily="18" charset="-127"/>
+              </a:rPr>
+              <a:t>/ 120</a:t>
+            </a:r>
+            <a:r>
+              <a:rPr lang="ko-KR" altLang="en-US" sz="1600" dirty="0">
+                <a:latin typeface="-윤고딕330" panose="02030504000101010101" pitchFamily="18" charset="-127"/>
+                <a:ea typeface="-윤고딕330" panose="02030504000101010101" pitchFamily="18" charset="-127"/>
+              </a:rPr>
+              <a:t>분</a:t>
+            </a:r>
+            <a:r>
+              <a:rPr lang="en-US" altLang="ko-KR" sz="1600" dirty="0">
+                <a:latin typeface="-윤고딕330" panose="02030504000101010101" pitchFamily="18" charset="-127"/>
+                <a:ea typeface="-윤고딕330" panose="02030504000101010101" pitchFamily="18" charset="-127"/>
+              </a:rPr>
+              <a:t>)</a:t>
+            </a:r>
+          </a:p>
+          <a:p>
+            <a:r>
+              <a:rPr lang="ko-KR" altLang="en-US" sz="1600" dirty="0">
+                <a:latin typeface="-윤고딕330" panose="02030504000101010101" pitchFamily="18" charset="-127"/>
+                <a:ea typeface="-윤고딕330" panose="02030504000101010101" pitchFamily="18" charset="-127"/>
+              </a:rPr>
+              <a:t>왕복 루트를 사용자에게 추천</a:t>
+            </a:r>
+          </a:p>
+        </p:txBody>
+      </p:sp>
+      <p:pic>
+        <p:nvPicPr>
+          <p:cNvPr id="21" name="그림 20" descr="텍스트, 지도이(가) 표시된 사진&#10;&#10;매우 높은 신뢰도로 생성된 설명">
+            <a:extLst>
+              <a:ext uri="{FF2B5EF4-FFF2-40B4-BE49-F238E27FC236}">
+                <a16:creationId xmlns:a16="http://schemas.microsoft.com/office/drawing/2014/main" id="{FB5A722F-E4CE-4C1B-BF87-40C43BAA03E5}"/>
+              </a:ext>
+            </a:extLst>
+          </p:cNvPr>
+          <p:cNvPicPr>
+            <a:picLocks noChangeAspect="1"/>
+          </p:cNvPicPr>
+          <p:nvPr/>
+        </p:nvPicPr>
+        <p:blipFill>
+          <a:blip r:embed="rId4">
+            <a:extLst>
+              <a:ext uri="{28A0092B-C50C-407E-A947-70E740481C1C}">
+                <a14:useLocalDpi xmlns:a14="http://schemas.microsoft.com/office/drawing/2010/main" val="0"/>
+              </a:ext>
+            </a:extLst>
+          </a:blip>
+          <a:stretch>
+            <a:fillRect/>
+          </a:stretch>
+        </p:blipFill>
+        <p:spPr>
+          <a:xfrm>
+            <a:off x="1862826" y="1187460"/>
+            <a:ext cx="5418348" cy="3807177"/>
+          </a:xfrm>
+          <a:prstGeom prst="rect">
+            <a:avLst/>
+          </a:prstGeom>
+        </p:spPr>
+      </p:pic>
+    </p:spTree>
+    <p:extLst>
+      <p:ext uri="{BB962C8B-B14F-4D97-AF65-F5344CB8AC3E}">
+        <p14:creationId xmlns:p14="http://schemas.microsoft.com/office/powerpoint/2010/main" val="10818670"/>
+      </p:ext>
+    </p:extLst>
+  </p:cSld>
+  <p:clrMapOvr>
+    <a:masterClrMapping/>
+  </p:clrMapOvr>
+</p:sld>
+</file>
+
+<file path=ppt/slides/slide9.xml><?xml version="1.0" encoding="utf-8"?>
+<p:sld xmlns:a="http://schemas.openxmlformats.org/drawingml/2006/main" xmlns:r="http://schemas.openxmlformats.org/officeDocument/2006/relationships" xmlns:p="http://schemas.openxmlformats.org/presentationml/2006/main">
+  <p:cSld>
+    <p:spTree>
+      <p:nvGrpSpPr>
+        <p:cNvPr id="1" name=""/>
+        <p:cNvGrpSpPr/>
+        <p:nvPr/>
+      </p:nvGrpSpPr>
+      <p:grpSpPr>
+        <a:xfrm>
+          <a:off x="0" y="0"/>
+          <a:ext cx="0" cy="0"/>
+          <a:chOff x="0" y="0"/>
+          <a:chExt cx="0" cy="0"/>
+        </a:xfrm>
+      </p:grpSpPr>
+      <p:sp>
+        <p:nvSpPr>
+          <p:cNvPr id="4" name="모서리가 둥근 직사각형 3"/>
+          <p:cNvSpPr/>
+          <p:nvPr/>
+        </p:nvSpPr>
+        <p:spPr>
+          <a:xfrm>
+            <a:off x="251520" y="260648"/>
+            <a:ext cx="720080" cy="288032"/>
+          </a:xfrm>
+          <a:prstGeom prst="roundRect">
+            <a:avLst/>
+          </a:prstGeom>
+          <a:solidFill>
+            <a:srgbClr val="94EB75"/>
+          </a:solidFill>
+          <a:ln>
+            <a:noFill/>
+          </a:ln>
+        </p:spPr>
+        <p:style>
+          <a:lnRef idx="2">
+            <a:schemeClr val="accent1">
+              <a:shade val="50000"/>
+            </a:schemeClr>
+          </a:lnRef>
+          <a:fillRef idx="1">
+            <a:schemeClr val="accent1"/>
+          </a:fillRef>
+          <a:effectRef idx="0">
+            <a:schemeClr val="accent1"/>
+          </a:effectRef>
+          <a:fontRef idx="minor">
+            <a:schemeClr val="lt1"/>
+          </a:fontRef>
+        </p:style>
+        <p:txBody>
+          <a:bodyPr rtlCol="0" anchor="ctr"/>
+          <a:lstStyle/>
+          <a:p>
+            <a:pPr algn="ctr"/>
+            <a:endParaRPr lang="ko-KR" altLang="en-US">
+              <a:latin typeface="-윤고딕330" panose="02030504000101010101" pitchFamily="18" charset="-127"/>
+              <a:ea typeface="-윤고딕330" panose="02030504000101010101" pitchFamily="18" charset="-127"/>
+            </a:endParaRPr>
+          </a:p>
+        </p:txBody>
+      </p:sp>
+      <p:sp>
+        <p:nvSpPr>
+          <p:cNvPr id="5" name="모서리가 둥근 직사각형 4"/>
+          <p:cNvSpPr/>
+          <p:nvPr/>
+        </p:nvSpPr>
+        <p:spPr>
+          <a:xfrm>
+            <a:off x="1007748" y="260648"/>
+            <a:ext cx="2808312" cy="288032"/>
+          </a:xfrm>
+          <a:prstGeom prst="roundRect">
+            <a:avLst/>
+          </a:prstGeom>
+          <a:solidFill>
+            <a:schemeClr val="bg1">
+              <a:lumMod val="85000"/>
+            </a:schemeClr>
+          </a:solidFill>
+          <a:ln>
+            <a:noFill/>
+          </a:ln>
+        </p:spPr>
+        <p:style>
+          <a:lnRef idx="2">
+            <a:schemeClr val="accent1">
+              <a:shade val="50000"/>
+            </a:schemeClr>
+          </a:lnRef>
+          <a:fillRef idx="1">
+            <a:schemeClr val="accent1"/>
+          </a:fillRef>
+          <a:effectRef idx="0">
+            <a:schemeClr val="accent1"/>
+          </a:effectRef>
+          <a:fontRef idx="minor">
+            <a:schemeClr val="lt1"/>
+          </a:fontRef>
+        </p:style>
+        <p:txBody>
+          <a:bodyPr rtlCol="0" anchor="ctr"/>
+          <a:lstStyle/>
+          <a:p>
+            <a:pPr algn="ctr"/>
+            <a:endParaRPr lang="ko-KR" altLang="en-US">
+              <a:latin typeface="-윤고딕330" panose="02030504000101010101" pitchFamily="18" charset="-127"/>
+              <a:ea typeface="-윤고딕330" panose="02030504000101010101" pitchFamily="18" charset="-127"/>
+            </a:endParaRPr>
+          </a:p>
+        </p:txBody>
+      </p:sp>
+      <p:sp>
+        <p:nvSpPr>
+          <p:cNvPr id="6" name="TextBox 5"/>
+          <p:cNvSpPr txBox="1"/>
+          <p:nvPr/>
+        </p:nvSpPr>
+        <p:spPr>
+          <a:xfrm>
+            <a:off x="1007748" y="683404"/>
+            <a:ext cx="2160240" cy="369332"/>
+          </a:xfrm>
+          <a:prstGeom prst="rect">
+            <a:avLst/>
+          </a:prstGeom>
+          <a:noFill/>
+        </p:spPr>
+        <p:txBody>
+          <a:bodyPr wrap="square" rtlCol="0">
+            <a:spAutoFit/>
+          </a:bodyPr>
+          <a:lstStyle/>
+          <a:p>
+            <a:r>
+              <a:rPr lang="en-US" altLang="ko-KR" dirty="0">
+                <a:solidFill>
+                  <a:schemeClr val="tx1">
+                    <a:lumMod val="75000"/>
+                    <a:lumOff val="25000"/>
+                  </a:schemeClr>
+                </a:solidFill>
+                <a:latin typeface="-윤고딕330" panose="02030504000101010101" pitchFamily="18" charset="-127"/>
+                <a:ea typeface="-윤고딕330" panose="02030504000101010101" pitchFamily="18" charset="-127"/>
+              </a:rPr>
               <a:t>Problem</a:t>
             </a:r>
             <a:r>
@@ -9110,7 +9894,7 @@
         </p:nvSpPr>
         <p:spPr>
           <a:xfrm>
-            <a:off x="498376" y="4366200"/>
+            <a:off x="827584" y="5167970"/>
             <a:ext cx="8147247" cy="2013252"/>
           </a:xfrm>
         </p:spPr>
@@ -9238,21 +10022,7 @@
                 <a:latin typeface="-윤고딕330" panose="02030504000101010101" pitchFamily="18" charset="-127"/>
                 <a:ea typeface="-윤고딕330" panose="02030504000101010101" pitchFamily="18" charset="-127"/>
               </a:rPr>
-              <a:t>왕복 </a:t>
-            </a:r>
-            <a:r>
-              <a:rPr lang="en-US" altLang="ko-KR" sz="1800" dirty="0">
-                <a:latin typeface="-윤고딕330" panose="02030504000101010101" pitchFamily="18" charset="-127"/>
-                <a:ea typeface="-윤고딕330" panose="02030504000101010101" pitchFamily="18" charset="-127"/>
-              </a:rPr>
-              <a:t>/ </a:t>
-            </a:r>
-            <a:r>
-              <a:rPr lang="ko-KR" altLang="en-US" sz="1800" dirty="0">
-                <a:latin typeface="-윤고딕330" panose="02030504000101010101" pitchFamily="18" charset="-127"/>
-                <a:ea typeface="-윤고딕330" panose="02030504000101010101" pitchFamily="18" charset="-127"/>
-              </a:rPr>
-              <a:t>편도 지원</a:t>
+              <a:t>왕복 루트 지원</a:t>
             </a:r>
             <a:endParaRPr lang="en-US" altLang="ko-KR" sz="1800" dirty="0">
               <a:latin typeface="-윤고딕330" panose="02030504000101010101" pitchFamily="18" charset="-127"/>
@@ -9289,7 +10059,7 @@
         </p:blipFill>
         <p:spPr>
           <a:xfrm>
-            <a:off x="1296088" y="1434122"/>
+            <a:off x="1296088" y="1866170"/>
             <a:ext cx="6312947" cy="2138894"/>
           </a:xfrm>
           <a:prstGeom prst="rect">
@@ -9301,317 +10071,6 @@
     <p:extLst>
       <p:ext uri="{BB962C8B-B14F-4D97-AF65-F5344CB8AC3E}">
         <p14:creationId xmlns:p14="http://schemas.microsoft.com/office/powerpoint/2010/main" val="3139809961"/>
-      </p:ext>
-    </p:extLst>
-  </p:cSld>
-  <p:clrMapOvr>
-    <a:masterClrMapping/>
-  </p:clrMapOvr>
-</p:sld>
-</file>
-
-<file path=ppt/slides/slide9.xml><?xml version="1.0" encoding="utf-8"?>
-<p:sld xmlns:a="http://schemas.openxmlformats.org/drawingml/2006/main" xmlns:r="http://schemas.openxmlformats.org/officeDocument/2006/relationships" xmlns:p="http://schemas.openxmlformats.org/presentationml/2006/main">
-  <p:cSld>
-    <p:spTree>
-      <p:nvGrpSpPr>
-        <p:cNvPr id="1" name=""/>
-        <p:cNvGrpSpPr/>
-        <p:nvPr/>
-      </p:nvGrpSpPr>
-      <p:grpSpPr>
-        <a:xfrm>
-          <a:off x="0" y="0"/>
-          <a:ext cx="0" cy="0"/>
-          <a:chOff x="0" y="0"/>
-          <a:chExt cx="0" cy="0"/>
-        </a:xfrm>
-      </p:grpSpPr>
-      <p:sp>
-        <p:nvSpPr>
-          <p:cNvPr id="4" name="모서리가 둥근 직사각형 3"/>
-          <p:cNvSpPr/>
-          <p:nvPr/>
-        </p:nvSpPr>
-        <p:spPr>
-          <a:xfrm>
-            <a:off x="251520" y="260648"/>
-            <a:ext cx="720080" cy="288032"/>
-          </a:xfrm>
-          <a:prstGeom prst="roundRect">
-            <a:avLst/>
-          </a:prstGeom>
-          <a:solidFill>
-            <a:srgbClr val="94EB75"/>
-          </a:solidFill>
-          <a:ln>
-            <a:noFill/>
-          </a:ln>
-        </p:spPr>
-        <p:style>
-          <a:lnRef idx="2">
-            <a:schemeClr val="accent1">
-              <a:shade val="50000"/>
-            </a:schemeClr>
-          </a:lnRef>
-          <a:fillRef idx="1">
-            <a:schemeClr val="accent1"/>
-          </a:fillRef>
-          <a:effectRef idx="0">
-            <a:schemeClr val="accent1"/>
-          </a:effectRef>
-          <a:fontRef idx="minor">
-            <a:schemeClr val="lt1"/>
-          </a:fontRef>
-        </p:style>
-        <p:txBody>
-          <a:bodyPr rtlCol="0" anchor="ctr"/>
-          <a:lstStyle/>
-          <a:p>
-            <a:pPr algn="ctr"/>
-            <a:endParaRPr lang="ko-KR" altLang="en-US">
-              <a:latin typeface="-윤고딕330" panose="02030504000101010101" pitchFamily="18" charset="-127"/>
-              <a:ea typeface="-윤고딕330" panose="02030504000101010101" pitchFamily="18" charset="-127"/>
-            </a:endParaRPr>
-          </a:p>
-        </p:txBody>
-      </p:sp>
-      <p:sp>
-        <p:nvSpPr>
-          <p:cNvPr id="5" name="모서리가 둥근 직사각형 4"/>
-          <p:cNvSpPr/>
-          <p:nvPr/>
-        </p:nvSpPr>
-        <p:spPr>
-          <a:xfrm>
-            <a:off x="1007748" y="260648"/>
-            <a:ext cx="2808312" cy="288032"/>
-          </a:xfrm>
-          <a:prstGeom prst="roundRect">
-            <a:avLst/>
-          </a:prstGeom>
-          <a:solidFill>
-            <a:schemeClr val="bg1">
-              <a:lumMod val="85000"/>
-            </a:schemeClr>
-          </a:solidFill>
-          <a:ln>
-            <a:noFill/>
-          </a:ln>
-        </p:spPr>
-        <p:style>
-          <a:lnRef idx="2">
-            <a:schemeClr val="accent1">
-              <a:shade val="50000"/>
-            </a:schemeClr>
-          </a:lnRef>
-          <a:fillRef idx="1">
-            <a:schemeClr val="accent1"/>
-          </a:fillRef>
-          <a:effectRef idx="0">
-            <a:schemeClr val="accent1"/>
-          </a:effectRef>
-          <a:fontRef idx="minor">
-            <a:schemeClr val="lt1"/>
-          </a:fontRef>
-        </p:style>
-        <p:txBody>
-          <a:bodyPr rtlCol="0" anchor="ctr"/>
-          <a:lstStyle/>
-          <a:p>
-            <a:pPr algn="ctr"/>
-            <a:endParaRPr lang="ko-KR" altLang="en-US">
-              <a:latin typeface="-윤고딕330" panose="02030504000101010101" pitchFamily="18" charset="-127"/>
-              <a:ea typeface="-윤고딕330" panose="02030504000101010101" pitchFamily="18" charset="-127"/>
-            </a:endParaRPr>
-          </a:p>
-        </p:txBody>
-      </p:sp>
-      <p:sp>
-        <p:nvSpPr>
-          <p:cNvPr id="6" name="TextBox 5"/>
-          <p:cNvSpPr txBox="1"/>
-          <p:nvPr/>
-        </p:nvSpPr>
-        <p:spPr>
-          <a:xfrm>
-            <a:off x="1007748" y="683404"/>
-            <a:ext cx="2160240" cy="369332"/>
-          </a:xfrm>
-          <a:prstGeom prst="rect">
-            <a:avLst/>
-          </a:prstGeom>
-          <a:noFill/>
-        </p:spPr>
-        <p:txBody>
-          <a:bodyPr wrap="square" rtlCol="0">
-            <a:spAutoFit/>
-          </a:bodyPr>
-          <a:lstStyle/>
-          <a:p>
-            <a:r>
-              <a:rPr lang="en-US" altLang="ko-KR" dirty="0">
-                <a:solidFill>
-                  <a:schemeClr val="tx1">
-                    <a:lumMod val="75000"/>
-                    <a:lumOff val="25000"/>
-                  </a:schemeClr>
-                </a:solidFill>
-                <a:latin typeface="-윤고딕330" panose="02030504000101010101" pitchFamily="18" charset="-127"/>
-                <a:ea typeface="-윤고딕330" panose="02030504000101010101" pitchFamily="18" charset="-127"/>
-              </a:rPr>
-              <a:t>Q &amp; A</a:t>
-            </a:r>
-            <a:endParaRPr lang="ko-KR" altLang="en-US" dirty="0">
-              <a:solidFill>
-                <a:schemeClr val="tx1">
-                  <a:lumMod val="75000"/>
-                  <a:lumOff val="25000"/>
-                </a:schemeClr>
-              </a:solidFill>
-              <a:latin typeface="-윤고딕330" panose="02030504000101010101" pitchFamily="18" charset="-127"/>
-              <a:ea typeface="-윤고딕330" panose="02030504000101010101" pitchFamily="18" charset="-127"/>
-            </a:endParaRPr>
-          </a:p>
-        </p:txBody>
-      </p:sp>
-      <p:sp>
-        <p:nvSpPr>
-          <p:cNvPr id="7" name="TextBox 6"/>
-          <p:cNvSpPr txBox="1"/>
-          <p:nvPr/>
-        </p:nvSpPr>
-        <p:spPr>
-          <a:xfrm>
-            <a:off x="251520" y="539969"/>
-            <a:ext cx="741683" cy="584775"/>
-          </a:xfrm>
-          <a:prstGeom prst="rect">
-            <a:avLst/>
-          </a:prstGeom>
-          <a:noFill/>
-        </p:spPr>
-        <p:txBody>
-          <a:bodyPr wrap="square" rtlCol="0">
-            <a:spAutoFit/>
-          </a:bodyPr>
-          <a:lstStyle/>
-          <a:p>
-            <a:r>
-              <a:rPr lang="en-US" altLang="ko-KR" sz="3200" dirty="0">
-                <a:solidFill>
-                  <a:schemeClr val="tx1">
-                    <a:lumMod val="75000"/>
-                    <a:lumOff val="25000"/>
-                  </a:schemeClr>
-                </a:solidFill>
-                <a:latin typeface="-윤고딕330" panose="02030504000101010101" pitchFamily="18" charset="-127"/>
-                <a:ea typeface="-윤고딕330" panose="02030504000101010101" pitchFamily="18" charset="-127"/>
-              </a:rPr>
-              <a:t>04</a:t>
-            </a:r>
-            <a:endParaRPr lang="ko-KR" altLang="en-US" sz="3200" dirty="0">
-              <a:solidFill>
-                <a:schemeClr val="tx1">
-                  <a:lumMod val="75000"/>
-                  <a:lumOff val="25000"/>
-                </a:schemeClr>
-              </a:solidFill>
-              <a:latin typeface="-윤고딕330" panose="02030504000101010101" pitchFamily="18" charset="-127"/>
-              <a:ea typeface="-윤고딕330" panose="02030504000101010101" pitchFamily="18" charset="-127"/>
-            </a:endParaRPr>
-          </a:p>
-        </p:txBody>
-      </p:sp>
-      <p:sp>
-        <p:nvSpPr>
-          <p:cNvPr id="10" name="모서리가 둥근 직사각형 9"/>
-          <p:cNvSpPr/>
-          <p:nvPr/>
-        </p:nvSpPr>
-        <p:spPr>
-          <a:xfrm>
-            <a:off x="8366415" y="6515819"/>
-            <a:ext cx="720080" cy="288032"/>
-          </a:xfrm>
-          <a:prstGeom prst="roundRect">
-            <a:avLst/>
-          </a:prstGeom>
-          <a:solidFill>
-            <a:srgbClr val="94EB75"/>
-          </a:solidFill>
-          <a:ln>
-            <a:noFill/>
-          </a:ln>
-        </p:spPr>
-        <p:style>
-          <a:lnRef idx="2">
-            <a:schemeClr val="accent1">
-              <a:shade val="50000"/>
-            </a:schemeClr>
-          </a:lnRef>
-          <a:fillRef idx="1">
-            <a:schemeClr val="accent1"/>
-          </a:fillRef>
-          <a:effectRef idx="0">
-            <a:schemeClr val="accent1"/>
-          </a:effectRef>
-          <a:fontRef idx="minor">
-            <a:schemeClr val="lt1"/>
-          </a:fontRef>
-        </p:style>
-        <p:txBody>
-          <a:bodyPr rtlCol="0" anchor="ctr"/>
-          <a:lstStyle/>
-          <a:p>
-            <a:pPr algn="ctr"/>
-            <a:endParaRPr lang="ko-KR" altLang="en-US">
-              <a:latin typeface="-윤고딕330" panose="02030504000101010101" pitchFamily="18" charset="-127"/>
-              <a:ea typeface="-윤고딕330" panose="02030504000101010101" pitchFamily="18" charset="-127"/>
-            </a:endParaRPr>
-          </a:p>
-        </p:txBody>
-      </p:sp>
-      <p:pic>
-        <p:nvPicPr>
-          <p:cNvPr id="9" name="그림 8">
-            <a:extLst>
-              <a:ext uri="{FF2B5EF4-FFF2-40B4-BE49-F238E27FC236}">
-                <a16:creationId xmlns:a16="http://schemas.microsoft.com/office/drawing/2014/main" id="{A39FE27C-BEB0-4E75-A884-80B2CF03E1C5}"/>
-              </a:ext>
-            </a:extLst>
-          </p:cNvPr>
-          <p:cNvPicPr>
-            <a:picLocks noChangeAspect="1"/>
-          </p:cNvPicPr>
-          <p:nvPr/>
-        </p:nvPicPr>
-        <p:blipFill>
-          <a:blip r:embed="rId2" cstate="print">
-            <a:extLst>
-              <a:ext uri="{28A0092B-C50C-407E-A947-70E740481C1C}">
-                <a14:useLocalDpi xmlns:a14="http://schemas.microsoft.com/office/drawing/2010/main" val="0"/>
-              </a:ext>
-            </a:extLst>
-          </a:blip>
-          <a:stretch>
-            <a:fillRect/>
-          </a:stretch>
-        </p:blipFill>
-        <p:spPr>
-          <a:xfrm>
-            <a:off x="8314606" y="5895776"/>
-            <a:ext cx="865906" cy="865906"/>
-          </a:xfrm>
-          <a:prstGeom prst="rect">
-            <a:avLst/>
-          </a:prstGeom>
-        </p:spPr>
-      </p:pic>
-    </p:spTree>
-    <p:extLst>
-      <p:ext uri="{BB962C8B-B14F-4D97-AF65-F5344CB8AC3E}">
-        <p14:creationId xmlns:p14="http://schemas.microsoft.com/office/powerpoint/2010/main" val="889774577"/>
       </p:ext>
     </p:extLst>
   </p:cSld>
